--- a/Presentation/Presentation.pptx
+++ b/Presentation/Presentation.pptx
@@ -7,7 +7,9 @@
   <p:sldIdLst>
     <p:sldId id="256" r:id="rId2"/>
     <p:sldId id="257" r:id="rId3"/>
-    <p:sldId id="258" r:id="rId4"/>
+    <p:sldId id="259" r:id="rId4"/>
+    <p:sldId id="260" r:id="rId5"/>
+    <p:sldId id="258" r:id="rId6"/>
   </p:sldIdLst>
   <p:sldSz cx="12192000" cy="6858000"/>
   <p:notesSz cx="6858000" cy="9144000"/>
@@ -304,7 +306,7 @@
             <a:fld id="{A3D8ACCB-D86A-8340-83DF-E9D64A929EB3}" type="datetimeFigureOut">
               <a:rPr lang="x-none" smtClean="0"/>
               <a:pPr/>
-              <a:t>10/4/2021</a:t>
+              <a:t>24/08/2023</a:t>
             </a:fld>
             <a:endParaRPr lang="x-none"/>
           </a:p>
@@ -569,7 +571,7 @@
             <a:fld id="{A3D8ACCB-D86A-8340-83DF-E9D64A929EB3}" type="datetimeFigureOut">
               <a:rPr lang="x-none" smtClean="0"/>
               <a:pPr/>
-              <a:t>10/4/2021</a:t>
+              <a:t>24/08/2023</a:t>
             </a:fld>
             <a:endParaRPr lang="x-none"/>
           </a:p>
@@ -810,7 +812,7 @@
             <a:fld id="{A3D8ACCB-D86A-8340-83DF-E9D64A929EB3}" type="datetimeFigureOut">
               <a:rPr lang="x-none" smtClean="0"/>
               <a:pPr/>
-              <a:t>10/4/2021</a:t>
+              <a:t>24/08/2023</a:t>
             </a:fld>
             <a:endParaRPr lang="x-none"/>
           </a:p>
@@ -1051,7 +1053,7 @@
             <a:fld id="{A3D8ACCB-D86A-8340-83DF-E9D64A929EB3}" type="datetimeFigureOut">
               <a:rPr lang="x-none" smtClean="0"/>
               <a:pPr/>
-              <a:t>10/4/2021</a:t>
+              <a:t>24/08/2023</a:t>
             </a:fld>
             <a:endParaRPr lang="x-none"/>
           </a:p>
@@ -1358,7 +1360,7 @@
             <a:fld id="{A3D8ACCB-D86A-8340-83DF-E9D64A929EB3}" type="datetimeFigureOut">
               <a:rPr lang="x-none" smtClean="0"/>
               <a:pPr/>
-              <a:t>10/4/2021</a:t>
+              <a:t>24/08/2023</a:t>
             </a:fld>
             <a:endParaRPr lang="x-none"/>
           </a:p>
@@ -1662,7 +1664,7 @@
             <a:fld id="{A3D8ACCB-D86A-8340-83DF-E9D64A929EB3}" type="datetimeFigureOut">
               <a:rPr lang="x-none" smtClean="0"/>
               <a:pPr/>
-              <a:t>10/4/2021</a:t>
+              <a:t>24/08/2023</a:t>
             </a:fld>
             <a:endParaRPr lang="x-none"/>
           </a:p>
@@ -2108,7 +2110,7 @@
             <a:fld id="{A3D8ACCB-D86A-8340-83DF-E9D64A929EB3}" type="datetimeFigureOut">
               <a:rPr lang="x-none" smtClean="0"/>
               <a:pPr/>
-              <a:t>10/4/2021</a:t>
+              <a:t>24/08/2023</a:t>
             </a:fld>
             <a:endParaRPr lang="x-none"/>
           </a:p>
@@ -2286,7 +2288,7 @@
             <a:fld id="{A3D8ACCB-D86A-8340-83DF-E9D64A929EB3}" type="datetimeFigureOut">
               <a:rPr lang="x-none" smtClean="0"/>
               <a:pPr/>
-              <a:t>10/4/2021</a:t>
+              <a:t>24/08/2023</a:t>
             </a:fld>
             <a:endParaRPr lang="x-none"/>
           </a:p>
@@ -2430,7 +2432,7 @@
             <a:fld id="{A3D8ACCB-D86A-8340-83DF-E9D64A929EB3}" type="datetimeFigureOut">
               <a:rPr lang="x-none" smtClean="0"/>
               <a:pPr/>
-              <a:t>10/4/2021</a:t>
+              <a:t>24/08/2023</a:t>
             </a:fld>
             <a:endParaRPr lang="x-none"/>
           </a:p>
@@ -2774,7 +2776,7 @@
             <a:fld id="{A3D8ACCB-D86A-8340-83DF-E9D64A929EB3}" type="datetimeFigureOut">
               <a:rPr lang="x-none" smtClean="0"/>
               <a:pPr/>
-              <a:t>10/4/2021</a:t>
+              <a:t>24/08/2023</a:t>
             </a:fld>
             <a:endParaRPr lang="x-none"/>
           </a:p>
@@ -3094,7 +3096,7 @@
             <a:fld id="{A3D8ACCB-D86A-8340-83DF-E9D64A929EB3}" type="datetimeFigureOut">
               <a:rPr lang="x-none" smtClean="0"/>
               <a:pPr/>
-              <a:t>10/4/2021</a:t>
+              <a:t>24/08/2023</a:t>
             </a:fld>
             <a:endParaRPr lang="x-none"/>
           </a:p>
@@ -3366,7 +3368,7 @@
             <a:fld id="{A3D8ACCB-D86A-8340-83DF-E9D64A929EB3}" type="datetimeFigureOut">
               <a:rPr lang="x-none" smtClean="0"/>
               <a:pPr/>
-              <a:t>10/4/2021</a:t>
+              <a:t>24/08/2023</a:t>
             </a:fld>
             <a:endParaRPr lang="x-none" dirty="0"/>
           </a:p>
@@ -3854,49 +3856,86 @@
             <p:ph type="ctrTitle"/>
           </p:nvPr>
         </p:nvSpPr>
-        <p:spPr/>
-        <p:txBody>
-          <a:bodyPr/>
+        <p:spPr>
+          <a:xfrm>
+            <a:off x="1524000" y="1959430"/>
+            <a:ext cx="9144000" cy="1694225"/>
+          </a:xfrm>
+        </p:spPr>
+        <p:txBody>
+          <a:bodyPr>
+            <a:normAutofit/>
+          </a:bodyPr>
+          <a:lstStyle/>
+          <a:p>
+            <a:r>
+              <a:rPr lang="ru-RU" sz="3600" dirty="0"/>
+              <a:t>ПРИМЕНА ФАЗИ ЛОГИКЕ У УГРАДНИМ УРЕЂАJИМА НА ПРИМЕРУ АУТОМАТИЗАЦИJЕ ОДРЖАВАЊА ПЛАСТЕНИКА</a:t>
+            </a:r>
+            <a:endParaRPr lang="x-none" sz="3600" dirty="0"/>
+          </a:p>
+        </p:txBody>
+      </p:sp>
+      <p:sp>
+        <p:nvSpPr>
+          <p:cNvPr id="3" name="Subtitle 2">
+            <a:extLst>
+              <a:ext uri="{FF2B5EF4-FFF2-40B4-BE49-F238E27FC236}">
+                <a16:creationId xmlns:a16="http://schemas.microsoft.com/office/drawing/2014/main" id="{35297DC4-6EF6-7B4A-9DA9-00409F3E5E44}"/>
+              </a:ext>
+            </a:extLst>
+          </p:cNvPr>
+          <p:cNvSpPr>
+            <a:spLocks noGrp="1"/>
+          </p:cNvSpPr>
+          <p:nvPr>
+            <p:ph type="subTitle" idx="1"/>
+          </p:nvPr>
+        </p:nvSpPr>
+        <p:spPr>
+          <a:xfrm>
+            <a:off x="1524000" y="3722915"/>
+            <a:ext cx="9144000" cy="2194560"/>
+          </a:xfrm>
+        </p:spPr>
+        <p:txBody>
+          <a:bodyPr>
+            <a:normAutofit fontScale="92500" lnSpcReduction="20000"/>
+          </a:bodyPr>
           <a:lstStyle/>
           <a:p>
             <a:r>
               <a:rPr lang="sr-Cyrl-RS" dirty="0"/>
-              <a:t>НАСЛОВ</a:t>
-            </a:r>
-            <a:endParaRPr lang="x-none" dirty="0"/>
-          </a:p>
-        </p:txBody>
-      </p:sp>
-      <p:sp>
-        <p:nvSpPr>
-          <p:cNvPr id="3" name="Subtitle 2">
-            <a:extLst>
-              <a:ext uri="{FF2B5EF4-FFF2-40B4-BE49-F238E27FC236}">
-                <a16:creationId xmlns:a16="http://schemas.microsoft.com/office/drawing/2014/main" id="{35297DC4-6EF6-7B4A-9DA9-00409F3E5E44}"/>
-              </a:ext>
-            </a:extLst>
-          </p:cNvPr>
-          <p:cNvSpPr>
-            <a:spLocks noGrp="1"/>
-          </p:cNvSpPr>
-          <p:nvPr>
-            <p:ph type="subTitle" idx="1"/>
-          </p:nvPr>
-        </p:nvSpPr>
-        <p:spPr/>
-        <p:txBody>
-          <a:bodyPr/>
-          <a:lstStyle/>
+              <a:t>Борис Карановић</a:t>
+            </a:r>
+            <a:endParaRPr lang="sr-Cyrl-RS" dirty="0"/>
+          </a:p>
+          <a:p>
+            <a:endParaRPr lang="en-GB" dirty="0" smtClean="0"/>
+          </a:p>
           <a:p>
             <a:r>
               <a:rPr lang="sr-Cyrl-RS" dirty="0"/>
-              <a:t>студент</a:t>
-            </a:r>
-          </a:p>
-          <a:p>
-            <a:r>
-              <a:rPr lang="sr-Cyrl-RS" dirty="0"/>
-              <a:t>ментор</a:t>
+              <a:t>др Иван </a:t>
+            </a:r>
+            <a:r>
+              <a:rPr lang="sr-Cyrl-RS" dirty="0" smtClean="0"/>
+              <a:t>Чукић</a:t>
+            </a:r>
+          </a:p>
+          <a:p>
+            <a:endParaRPr lang="sr-Cyrl-RS" dirty="0"/>
+          </a:p>
+          <a:p>
+            <a:r>
+              <a:rPr lang="sr-Cyrl-RS" dirty="0" smtClean="0"/>
+              <a:t>Математички факулет, Универзитет у Београду</a:t>
+            </a:r>
+          </a:p>
+          <a:p>
+            <a:r>
+              <a:rPr lang="sr-Cyrl-RS" dirty="0" smtClean="0"/>
+              <a:t>Септембар 2023.</a:t>
             </a:r>
             <a:endParaRPr lang="x-none" dirty="0"/>
           </a:p>
@@ -3954,8 +3993,8 @@
           <a:lstStyle/>
           <a:p>
             <a:r>
-              <a:rPr lang="sr-Cyrl-RS" dirty="0"/>
-              <a:t>поднаслов</a:t>
+              <a:rPr lang="sr-Cyrl-RS" dirty="0" smtClean="0"/>
+              <a:t>Проблеми у свакодневном раду пластеника</a:t>
             </a:r>
             <a:endParaRPr lang="x-none" dirty="0"/>
           </a:p>
@@ -3977,15 +4016,49 @@
             <p:ph idx="1"/>
           </p:nvPr>
         </p:nvSpPr>
-        <p:spPr/>
-        <p:txBody>
-          <a:bodyPr/>
-          <a:lstStyle/>
-          <a:p>
-            <a:r>
-              <a:rPr lang="sr-Cyrl-RS" dirty="0"/>
-              <a:t>текст</a:t>
-            </a:r>
+        <p:spPr>
+          <a:xfrm>
+            <a:off x="391886" y="1799499"/>
+            <a:ext cx="10961914" cy="4222478"/>
+          </a:xfrm>
+        </p:spPr>
+        <p:txBody>
+          <a:bodyPr/>
+          <a:lstStyle/>
+          <a:p>
+            <a:r>
+              <a:rPr lang="sr-Cyrl-RS" dirty="0" smtClean="0"/>
+              <a:t>Велика температура услед глобалног загревања, температурне осцилације доводе до исушивања биљака</a:t>
+            </a:r>
+          </a:p>
+          <a:p>
+            <a:r>
+              <a:rPr lang="sr-Cyrl-RS" dirty="0" smtClean="0"/>
+              <a:t>Обилно или недовољно наводњавање, коришћење мало или превише ђубрива доводе до пропадања биљака</a:t>
+            </a:r>
+          </a:p>
+          <a:p>
+            <a:r>
+              <a:rPr lang="sr-Cyrl-RS" dirty="0" smtClean="0"/>
+              <a:t>Појава буђи, плесни или штеточина</a:t>
+            </a:r>
+          </a:p>
+          <a:p>
+            <a:r>
+              <a:rPr lang="sr-Cyrl-RS" dirty="0" smtClean="0"/>
+              <a:t>Вентилација која такође треба бити у одређеним границама</a:t>
+            </a:r>
+          </a:p>
+          <a:p>
+            <a:endParaRPr lang="sr-Cyrl-RS" dirty="0"/>
+          </a:p>
+          <a:p>
+            <a:r>
+              <a:rPr lang="sr-Cyrl-RS" dirty="0" smtClean="0"/>
+              <a:t>Наведени проблеми су разлог за аутоматизацију пластеника ради што бољег раста биљака и што већих приноса.</a:t>
+            </a:r>
+          </a:p>
+          <a:p>
             <a:endParaRPr lang="x-none" dirty="0"/>
           </a:p>
         </p:txBody>
@@ -4004,6 +4077,213 @@
 </file>
 
 <file path=ppt/slides/slide3.xml><?xml version="1.0" encoding="utf-8"?>
+<p:sld xmlns:a="http://schemas.openxmlformats.org/drawingml/2006/main" xmlns:r="http://schemas.openxmlformats.org/officeDocument/2006/relationships" xmlns:p="http://schemas.openxmlformats.org/presentationml/2006/main">
+  <p:cSld>
+    <p:spTree>
+      <p:nvGrpSpPr>
+        <p:cNvPr id="1" name=""/>
+        <p:cNvGrpSpPr/>
+        <p:nvPr/>
+      </p:nvGrpSpPr>
+      <p:grpSpPr>
+        <a:xfrm>
+          <a:off x="0" y="0"/>
+          <a:ext cx="0" cy="0"/>
+          <a:chOff x="0" y="0"/>
+          <a:chExt cx="0" cy="0"/>
+        </a:xfrm>
+      </p:grpSpPr>
+      <p:sp>
+        <p:nvSpPr>
+          <p:cNvPr id="2" name="Title 1">
+            <a:extLst>
+              <a:ext uri="{FF2B5EF4-FFF2-40B4-BE49-F238E27FC236}">
+                <a16:creationId xmlns:a16="http://schemas.microsoft.com/office/drawing/2014/main" id="{C40260F2-EC1D-3C4C-A3DE-0BF53F34F44A}"/>
+              </a:ext>
+            </a:extLst>
+          </p:cNvPr>
+          <p:cNvSpPr>
+            <a:spLocks noGrp="1"/>
+          </p:cNvSpPr>
+          <p:nvPr>
+            <p:ph type="title"/>
+          </p:nvPr>
+        </p:nvSpPr>
+        <p:spPr/>
+        <p:txBody>
+          <a:bodyPr/>
+          <a:lstStyle/>
+          <a:p>
+            <a:r>
+              <a:rPr lang="sr-Cyrl-RS" dirty="0" smtClean="0"/>
+              <a:t>Аутоматизација пластеника</a:t>
+            </a:r>
+            <a:endParaRPr lang="x-none" dirty="0"/>
+          </a:p>
+        </p:txBody>
+      </p:sp>
+      <p:sp>
+        <p:nvSpPr>
+          <p:cNvPr id="3" name="Content Placeholder 2">
+            <a:extLst>
+              <a:ext uri="{FF2B5EF4-FFF2-40B4-BE49-F238E27FC236}">
+                <a16:creationId xmlns:a16="http://schemas.microsoft.com/office/drawing/2014/main" id="{17B6CB75-E9C9-7E4F-A634-EBE43E711261}"/>
+              </a:ext>
+            </a:extLst>
+          </p:cNvPr>
+          <p:cNvSpPr>
+            <a:spLocks noGrp="1"/>
+          </p:cNvSpPr>
+          <p:nvPr>
+            <p:ph idx="1"/>
+          </p:nvPr>
+        </p:nvSpPr>
+        <p:spPr>
+          <a:xfrm>
+            <a:off x="391886" y="1799499"/>
+            <a:ext cx="10961914" cy="4222478"/>
+          </a:xfrm>
+        </p:spPr>
+        <p:txBody>
+          <a:bodyPr/>
+          <a:lstStyle/>
+          <a:p>
+            <a:r>
+              <a:rPr lang="sr-Cyrl-RS" dirty="0" smtClean="0"/>
+              <a:t>Прве аутоматизације пластеника су подразумевале само аутоматизацију одређених параметара. На пример, наводњавање се укључивало и гасило у одређено време. Вентилација се укључивала само ако влажност ваздуха достигне неки одређени ниво.</a:t>
+            </a:r>
+          </a:p>
+          <a:p>
+            <a:r>
+              <a:rPr lang="sr-Cyrl-RS" dirty="0" smtClean="0"/>
+              <a:t>Оваква аутоматизација је олакшала само управљање пластеником, међутим не постоји никаква спрега између параметара који су контролисани. Самим тим, и успешност рада пластеника је незнатно порасла у односу на мануелно управљање. </a:t>
+            </a:r>
+          </a:p>
+          <a:p>
+            <a:r>
+              <a:rPr lang="sr-Cyrl-RS" dirty="0" smtClean="0"/>
+              <a:t>Тек последњих година се радило на аутоматизацији пластеника уз помоћ рачунара. </a:t>
+            </a:r>
+          </a:p>
+          <a:p>
+            <a:endParaRPr lang="x-none" dirty="0"/>
+          </a:p>
+        </p:txBody>
+      </p:sp>
+    </p:spTree>
+    <p:extLst>
+      <p:ext uri="{BB962C8B-B14F-4D97-AF65-F5344CB8AC3E}">
+        <p14:creationId xmlns:p14="http://schemas.microsoft.com/office/powerpoint/2010/main" val="1775197753"/>
+      </p:ext>
+    </p:extLst>
+  </p:cSld>
+  <p:clrMapOvr>
+    <a:masterClrMapping/>
+  </p:clrMapOvr>
+</p:sld>
+</file>
+
+<file path=ppt/slides/slide4.xml><?xml version="1.0" encoding="utf-8"?>
+<p:sld xmlns:a="http://schemas.openxmlformats.org/drawingml/2006/main" xmlns:r="http://schemas.openxmlformats.org/officeDocument/2006/relationships" xmlns:p="http://schemas.openxmlformats.org/presentationml/2006/main">
+  <p:cSld>
+    <p:spTree>
+      <p:nvGrpSpPr>
+        <p:cNvPr id="1" name=""/>
+        <p:cNvGrpSpPr/>
+        <p:nvPr/>
+      </p:nvGrpSpPr>
+      <p:grpSpPr>
+        <a:xfrm>
+          <a:off x="0" y="0"/>
+          <a:ext cx="0" cy="0"/>
+          <a:chOff x="0" y="0"/>
+          <a:chExt cx="0" cy="0"/>
+        </a:xfrm>
+      </p:grpSpPr>
+      <p:sp>
+        <p:nvSpPr>
+          <p:cNvPr id="2" name="Title 1">
+            <a:extLst>
+              <a:ext uri="{FF2B5EF4-FFF2-40B4-BE49-F238E27FC236}">
+                <a16:creationId xmlns:a16="http://schemas.microsoft.com/office/drawing/2014/main" id="{C40260F2-EC1D-3C4C-A3DE-0BF53F34F44A}"/>
+              </a:ext>
+            </a:extLst>
+          </p:cNvPr>
+          <p:cNvSpPr>
+            <a:spLocks noGrp="1"/>
+          </p:cNvSpPr>
+          <p:nvPr>
+            <p:ph type="title"/>
+          </p:nvPr>
+        </p:nvSpPr>
+        <p:spPr/>
+        <p:txBody>
+          <a:bodyPr>
+            <a:normAutofit fontScale="90000"/>
+          </a:bodyPr>
+          <a:lstStyle/>
+          <a:p>
+            <a:r>
+              <a:rPr lang="sr-Cyrl-RS" dirty="0" smtClean="0"/>
+              <a:t>Аутоматизација пластеника помоћу фази логике</a:t>
+            </a:r>
+            <a:endParaRPr lang="x-none" dirty="0"/>
+          </a:p>
+        </p:txBody>
+      </p:sp>
+      <p:sp>
+        <p:nvSpPr>
+          <p:cNvPr id="3" name="Content Placeholder 2">
+            <a:extLst>
+              <a:ext uri="{FF2B5EF4-FFF2-40B4-BE49-F238E27FC236}">
+                <a16:creationId xmlns:a16="http://schemas.microsoft.com/office/drawing/2014/main" id="{17B6CB75-E9C9-7E4F-A634-EBE43E711261}"/>
+              </a:ext>
+            </a:extLst>
+          </p:cNvPr>
+          <p:cNvSpPr>
+            <a:spLocks noGrp="1"/>
+          </p:cNvSpPr>
+          <p:nvPr>
+            <p:ph idx="1"/>
+          </p:nvPr>
+        </p:nvSpPr>
+        <p:spPr>
+          <a:xfrm>
+            <a:off x="391886" y="1799499"/>
+            <a:ext cx="10961914" cy="4222478"/>
+          </a:xfrm>
+        </p:spPr>
+        <p:txBody>
+          <a:bodyPr/>
+          <a:lstStyle/>
+          <a:p>
+            <a:r>
+              <a:rPr lang="sr-Cyrl-RS" dirty="0" smtClean="0"/>
+              <a:t>Један од начина аутоматизације пластеника је помоћу фази логике. Сами параметри пластеника се могу моделирати помоћу фази скупова, и начин одлучивања у фази контролерима је врло погодан за ову примену. Због тога, примена фази логике у агрикултури је интересантно поље истраживања и примена. </a:t>
+            </a:r>
+          </a:p>
+          <a:p>
+            <a:endParaRPr lang="sr-Cyrl-RS" dirty="0" smtClean="0"/>
+          </a:p>
+          <a:p>
+            <a:endParaRPr lang="x-none" dirty="0"/>
+          </a:p>
+        </p:txBody>
+      </p:sp>
+    </p:spTree>
+    <p:extLst>
+      <p:ext uri="{BB962C8B-B14F-4D97-AF65-F5344CB8AC3E}">
+        <p14:creationId xmlns:p14="http://schemas.microsoft.com/office/powerpoint/2010/main" val="1415925372"/>
+      </p:ext>
+    </p:extLst>
+  </p:cSld>
+  <p:clrMapOvr>
+    <a:masterClrMapping/>
+  </p:clrMapOvr>
+</p:sld>
+</file>
+
+<file path=ppt/slides/slide5.xml><?xml version="1.0" encoding="utf-8"?>
 <p:sld xmlns:a="http://schemas.openxmlformats.org/drawingml/2006/main" xmlns:r="http://schemas.openxmlformats.org/officeDocument/2006/relationships" xmlns:p="http://schemas.openxmlformats.org/presentationml/2006/main">
   <p:cSld>
     <p:spTree>

--- a/Presentation/Presentation.pptx
+++ b/Presentation/Presentation.pptx
@@ -10,6 +10,12 @@
     <p:sldId id="259" r:id="rId4"/>
     <p:sldId id="260" r:id="rId5"/>
     <p:sldId id="258" r:id="rId6"/>
+    <p:sldId id="261" r:id="rId7"/>
+    <p:sldId id="262" r:id="rId8"/>
+    <p:sldId id="263" r:id="rId9"/>
+    <p:sldId id="264" r:id="rId10"/>
+    <p:sldId id="265" r:id="rId11"/>
+    <p:sldId id="266" r:id="rId12"/>
   </p:sldIdLst>
   <p:sldSz cx="12192000" cy="6858000"/>
   <p:notesSz cx="6858000" cy="9144000"/>
@@ -306,7 +312,7 @@
             <a:fld id="{A3D8ACCB-D86A-8340-83DF-E9D64A929EB3}" type="datetimeFigureOut">
               <a:rPr lang="x-none" smtClean="0"/>
               <a:pPr/>
-              <a:t>24/08/2023</a:t>
+              <a:t>15/09/2023</a:t>
             </a:fld>
             <a:endParaRPr lang="x-none"/>
           </a:p>
@@ -571,7 +577,7 @@
             <a:fld id="{A3D8ACCB-D86A-8340-83DF-E9D64A929EB3}" type="datetimeFigureOut">
               <a:rPr lang="x-none" smtClean="0"/>
               <a:pPr/>
-              <a:t>24/08/2023</a:t>
+              <a:t>15/09/2023</a:t>
             </a:fld>
             <a:endParaRPr lang="x-none"/>
           </a:p>
@@ -812,7 +818,7 @@
             <a:fld id="{A3D8ACCB-D86A-8340-83DF-E9D64A929EB3}" type="datetimeFigureOut">
               <a:rPr lang="x-none" smtClean="0"/>
               <a:pPr/>
-              <a:t>24/08/2023</a:t>
+              <a:t>15/09/2023</a:t>
             </a:fld>
             <a:endParaRPr lang="x-none"/>
           </a:p>
@@ -1053,7 +1059,7 @@
             <a:fld id="{A3D8ACCB-D86A-8340-83DF-E9D64A929EB3}" type="datetimeFigureOut">
               <a:rPr lang="x-none" smtClean="0"/>
               <a:pPr/>
-              <a:t>24/08/2023</a:t>
+              <a:t>15/09/2023</a:t>
             </a:fld>
             <a:endParaRPr lang="x-none"/>
           </a:p>
@@ -1360,7 +1366,7 @@
             <a:fld id="{A3D8ACCB-D86A-8340-83DF-E9D64A929EB3}" type="datetimeFigureOut">
               <a:rPr lang="x-none" smtClean="0"/>
               <a:pPr/>
-              <a:t>24/08/2023</a:t>
+              <a:t>15/09/2023</a:t>
             </a:fld>
             <a:endParaRPr lang="x-none"/>
           </a:p>
@@ -1664,7 +1670,7 @@
             <a:fld id="{A3D8ACCB-D86A-8340-83DF-E9D64A929EB3}" type="datetimeFigureOut">
               <a:rPr lang="x-none" smtClean="0"/>
               <a:pPr/>
-              <a:t>24/08/2023</a:t>
+              <a:t>15/09/2023</a:t>
             </a:fld>
             <a:endParaRPr lang="x-none"/>
           </a:p>
@@ -2110,7 +2116,7 @@
             <a:fld id="{A3D8ACCB-D86A-8340-83DF-E9D64A929EB3}" type="datetimeFigureOut">
               <a:rPr lang="x-none" smtClean="0"/>
               <a:pPr/>
-              <a:t>24/08/2023</a:t>
+              <a:t>15/09/2023</a:t>
             </a:fld>
             <a:endParaRPr lang="x-none"/>
           </a:p>
@@ -2288,7 +2294,7 @@
             <a:fld id="{A3D8ACCB-D86A-8340-83DF-E9D64A929EB3}" type="datetimeFigureOut">
               <a:rPr lang="x-none" smtClean="0"/>
               <a:pPr/>
-              <a:t>24/08/2023</a:t>
+              <a:t>15/09/2023</a:t>
             </a:fld>
             <a:endParaRPr lang="x-none"/>
           </a:p>
@@ -2432,7 +2438,7 @@
             <a:fld id="{A3D8ACCB-D86A-8340-83DF-E9D64A929EB3}" type="datetimeFigureOut">
               <a:rPr lang="x-none" smtClean="0"/>
               <a:pPr/>
-              <a:t>24/08/2023</a:t>
+              <a:t>15/09/2023</a:t>
             </a:fld>
             <a:endParaRPr lang="x-none"/>
           </a:p>
@@ -2776,7 +2782,7 @@
             <a:fld id="{A3D8ACCB-D86A-8340-83DF-E9D64A929EB3}" type="datetimeFigureOut">
               <a:rPr lang="x-none" smtClean="0"/>
               <a:pPr/>
-              <a:t>24/08/2023</a:t>
+              <a:t>15/09/2023</a:t>
             </a:fld>
             <a:endParaRPr lang="x-none"/>
           </a:p>
@@ -3096,7 +3102,7 @@
             <a:fld id="{A3D8ACCB-D86A-8340-83DF-E9D64A929EB3}" type="datetimeFigureOut">
               <a:rPr lang="x-none" smtClean="0"/>
               <a:pPr/>
-              <a:t>24/08/2023</a:t>
+              <a:t>15/09/2023</a:t>
             </a:fld>
             <a:endParaRPr lang="x-none"/>
           </a:p>
@@ -3368,7 +3374,7 @@
             <a:fld id="{A3D8ACCB-D86A-8340-83DF-E9D64A929EB3}" type="datetimeFigureOut">
               <a:rPr lang="x-none" smtClean="0"/>
               <a:pPr/>
-              <a:t>24/08/2023</a:t>
+              <a:t>15/09/2023</a:t>
             </a:fld>
             <a:endParaRPr lang="x-none" dirty="0"/>
           </a:p>
@@ -3908,7 +3914,6 @@
               <a:rPr lang="sr-Cyrl-RS" dirty="0"/>
               <a:t>Борис Карановић</a:t>
             </a:r>
-            <a:endParaRPr lang="sr-Cyrl-RS" dirty="0"/>
           </a:p>
           <a:p>
             <a:endParaRPr lang="en-GB" dirty="0" smtClean="0"/>
@@ -3945,6 +3950,224 @@
     <p:extLst>
       <p:ext uri="{BB962C8B-B14F-4D97-AF65-F5344CB8AC3E}">
         <p14:creationId xmlns:p14="http://schemas.microsoft.com/office/powerpoint/2010/main" val="3090065489"/>
+      </p:ext>
+    </p:extLst>
+  </p:cSld>
+  <p:clrMapOvr>
+    <a:masterClrMapping/>
+  </p:clrMapOvr>
+</p:sld>
+</file>
+
+<file path=ppt/slides/slide10.xml><?xml version="1.0" encoding="utf-8"?>
+<p:sld xmlns:a="http://schemas.openxmlformats.org/drawingml/2006/main" xmlns:r="http://schemas.openxmlformats.org/officeDocument/2006/relationships" xmlns:p="http://schemas.openxmlformats.org/presentationml/2006/main">
+  <p:cSld>
+    <p:spTree>
+      <p:nvGrpSpPr>
+        <p:cNvPr id="1" name=""/>
+        <p:cNvGrpSpPr/>
+        <p:nvPr/>
+      </p:nvGrpSpPr>
+      <p:grpSpPr>
+        <a:xfrm>
+          <a:off x="0" y="0"/>
+          <a:ext cx="0" cy="0"/>
+          <a:chOff x="0" y="0"/>
+          <a:chExt cx="0" cy="0"/>
+        </a:xfrm>
+      </p:grpSpPr>
+      <p:sp>
+        <p:nvSpPr>
+          <p:cNvPr id="2" name="Title 1">
+            <a:extLst>
+              <a:ext uri="{FF2B5EF4-FFF2-40B4-BE49-F238E27FC236}">
+                <a16:creationId xmlns:a16="http://schemas.microsoft.com/office/drawing/2014/main" id="{181C48EB-09C9-CA41-9B40-A6294E5F1C47}"/>
+              </a:ext>
+            </a:extLst>
+          </p:cNvPr>
+          <p:cNvSpPr>
+            <a:spLocks noGrp="1"/>
+          </p:cNvSpPr>
+          <p:nvPr>
+            <p:ph type="title"/>
+          </p:nvPr>
+        </p:nvSpPr>
+        <p:spPr>
+          <a:xfrm>
+            <a:off x="391886" y="1008019"/>
+            <a:ext cx="10961914" cy="1153289"/>
+          </a:xfrm>
+        </p:spPr>
+        <p:txBody>
+          <a:bodyPr>
+            <a:normAutofit fontScale="90000"/>
+          </a:bodyPr>
+          <a:lstStyle/>
+          <a:p>
+            <a:r>
+              <a:rPr lang="sr-Cyrl-RS" dirty="0" smtClean="0"/>
+              <a:t>Анализа резултата и упоређивање са постојећим радовима</a:t>
+            </a:r>
+            <a:endParaRPr lang="x-none" dirty="0"/>
+          </a:p>
+        </p:txBody>
+      </p:sp>
+      <p:sp>
+        <p:nvSpPr>
+          <p:cNvPr id="5" name="Content Placeholder 4"/>
+          <p:cNvSpPr>
+            <a:spLocks noGrp="1"/>
+          </p:cNvSpPr>
+          <p:nvPr>
+            <p:ph sz="half" idx="1"/>
+          </p:nvPr>
+        </p:nvSpPr>
+        <p:spPr>
+          <a:xfrm>
+            <a:off x="838200" y="2394064"/>
+            <a:ext cx="10515600" cy="4015655"/>
+          </a:xfrm>
+        </p:spPr>
+        <p:txBody>
+          <a:bodyPr>
+            <a:normAutofit/>
+          </a:bodyPr>
+          <a:lstStyle/>
+          <a:p>
+            <a:r>
+              <a:rPr lang="sr-Cyrl-RS" dirty="0" smtClean="0"/>
+              <a:t>Приликом дефинисања фази скупа за било коју припрему, потребно је да доменски експерт дефинише фази функције променљивих за скупове као и фази правила. База знања која се користила у раду је преузета из радова који су наведени као референце. Резултати који су наведени у литератури се сматрају успешним. Неки од тих резултата су: смањење дневне потрошње воде за 1.500л на плантажи средње величине, уштеде од 25</a:t>
+            </a:r>
+            <a:r>
+              <a:rPr lang="en-GB" dirty="0" smtClean="0"/>
+              <a:t>% </a:t>
+            </a:r>
+            <a:r>
+              <a:rPr lang="sr-Cyrl-RS" dirty="0" smtClean="0"/>
+              <a:t>загревању пластеника, повећање приноса услед оптималног заливања.</a:t>
+            </a:r>
+          </a:p>
+        </p:txBody>
+      </p:sp>
+    </p:spTree>
+    <p:extLst>
+      <p:ext uri="{BB962C8B-B14F-4D97-AF65-F5344CB8AC3E}">
+        <p14:creationId xmlns:p14="http://schemas.microsoft.com/office/powerpoint/2010/main" val="4088776180"/>
+      </p:ext>
+    </p:extLst>
+  </p:cSld>
+  <p:clrMapOvr>
+    <a:masterClrMapping/>
+  </p:clrMapOvr>
+</p:sld>
+</file>
+
+<file path=ppt/slides/slide11.xml><?xml version="1.0" encoding="utf-8"?>
+<p:sld xmlns:a="http://schemas.openxmlformats.org/drawingml/2006/main" xmlns:r="http://schemas.openxmlformats.org/officeDocument/2006/relationships" xmlns:p="http://schemas.openxmlformats.org/presentationml/2006/main">
+  <p:cSld>
+    <p:spTree>
+      <p:nvGrpSpPr>
+        <p:cNvPr id="1" name=""/>
+        <p:cNvGrpSpPr/>
+        <p:nvPr/>
+      </p:nvGrpSpPr>
+      <p:grpSpPr>
+        <a:xfrm>
+          <a:off x="0" y="0"/>
+          <a:ext cx="0" cy="0"/>
+          <a:chOff x="0" y="0"/>
+          <a:chExt cx="0" cy="0"/>
+        </a:xfrm>
+      </p:grpSpPr>
+      <p:sp>
+        <p:nvSpPr>
+          <p:cNvPr id="2" name="Title 1">
+            <a:extLst>
+              <a:ext uri="{FF2B5EF4-FFF2-40B4-BE49-F238E27FC236}">
+                <a16:creationId xmlns:a16="http://schemas.microsoft.com/office/drawing/2014/main" id="{181C48EB-09C9-CA41-9B40-A6294E5F1C47}"/>
+              </a:ext>
+            </a:extLst>
+          </p:cNvPr>
+          <p:cNvSpPr>
+            <a:spLocks noGrp="1"/>
+          </p:cNvSpPr>
+          <p:nvPr>
+            <p:ph type="title"/>
+          </p:nvPr>
+        </p:nvSpPr>
+        <p:spPr>
+          <a:xfrm>
+            <a:off x="391886" y="731521"/>
+            <a:ext cx="10961914" cy="756457"/>
+          </a:xfrm>
+        </p:spPr>
+        <p:txBody>
+          <a:bodyPr>
+            <a:normAutofit/>
+          </a:bodyPr>
+          <a:lstStyle/>
+          <a:p>
+            <a:r>
+              <a:rPr lang="sr-Cyrl-RS" dirty="0" smtClean="0"/>
+              <a:t>Закључак</a:t>
+            </a:r>
+            <a:endParaRPr lang="x-none" dirty="0"/>
+          </a:p>
+        </p:txBody>
+      </p:sp>
+      <p:sp>
+        <p:nvSpPr>
+          <p:cNvPr id="5" name="Content Placeholder 4"/>
+          <p:cNvSpPr>
+            <a:spLocks noGrp="1"/>
+          </p:cNvSpPr>
+          <p:nvPr>
+            <p:ph sz="half" idx="1"/>
+          </p:nvPr>
+        </p:nvSpPr>
+        <p:spPr>
+          <a:xfrm>
+            <a:off x="838200" y="1321724"/>
+            <a:ext cx="10515600" cy="4987635"/>
+          </a:xfrm>
+        </p:spPr>
+        <p:txBody>
+          <a:bodyPr>
+            <a:normAutofit lnSpcReduction="10000"/>
+          </a:bodyPr>
+          <a:lstStyle/>
+          <a:p>
+            <a:r>
+              <a:rPr lang="sr-Cyrl-RS" dirty="0" smtClean="0"/>
+              <a:t>Главне одлике развијеног софтвера: модуларност система, лакоћа дефинисања параметара фази контролера без потребе за стручним лицима, разноврсност уређаја на којима се могу апликације покренути, безбедност и ауторизација.</a:t>
+            </a:r>
+          </a:p>
+          <a:p>
+            <a:r>
+              <a:rPr lang="sr-Cyrl-RS" dirty="0" smtClean="0"/>
+              <a:t>Аутоматизација пластеника је пример у којем се фази логика може врло добро применити. </a:t>
+            </a:r>
+            <a:r>
+              <a:rPr lang="sr-Cyrl-RS" dirty="0"/>
+              <a:t>Р</a:t>
+            </a:r>
+            <a:r>
+              <a:rPr lang="sr-Cyrl-RS" dirty="0" smtClean="0"/>
+              <a:t>езултати који се постижу представљају успех. </a:t>
+            </a:r>
+          </a:p>
+          <a:p>
+            <a:r>
+              <a:rPr lang="sr-Cyrl-RS" dirty="0" smtClean="0"/>
+              <a:t>Фази логика, као грана вештачке интелигенције, се интезивно развија и постоје шансе да ће у будућности, заједно са другим методама давати још боље резултате. Тренутно се ради на системима у којима се фази функције припадности оптимизују помоћу роја честица, док се само управљање врши помоћу фази контролера.</a:t>
+            </a:r>
+          </a:p>
+        </p:txBody>
+      </p:sp>
+    </p:spTree>
+    <p:extLst>
+      <p:ext uri="{BB962C8B-B14F-4D97-AF65-F5344CB8AC3E}">
+        <p14:creationId xmlns:p14="http://schemas.microsoft.com/office/powerpoint/2010/main" val="3029022167"/>
       </p:ext>
     </p:extLst>
   </p:cSld>
@@ -4250,23 +4473,38 @@
         <p:spPr>
           <a:xfrm>
             <a:off x="391886" y="1799499"/>
-            <a:ext cx="10961914" cy="4222478"/>
-          </a:xfrm>
-        </p:spPr>
-        <p:txBody>
-          <a:bodyPr/>
+            <a:ext cx="10961914" cy="4401796"/>
+          </a:xfrm>
+        </p:spPr>
+        <p:txBody>
+          <a:bodyPr>
+            <a:normAutofit lnSpcReduction="10000"/>
+          </a:bodyPr>
           <a:lstStyle/>
           <a:p>
             <a:r>
               <a:rPr lang="sr-Cyrl-RS" dirty="0" smtClean="0"/>
               <a:t>Један од начина аутоматизације пластеника је помоћу фази логике. Сами параметри пластеника се могу моделирати помоћу фази скупова, и начин одлучивања у фази контролерима је врло погодан за ову примену. Због тога, примена фази логике у агрикултури је интересантно поље истраживања и примена. </a:t>
             </a:r>
-          </a:p>
-          <a:p>
+            <a:endParaRPr lang="en-GB" dirty="0" smtClean="0"/>
+          </a:p>
+          <a:p>
+            <a:endParaRPr lang="en-GB" dirty="0"/>
+          </a:p>
+          <a:p>
+            <a:r>
+              <a:rPr lang="sr-Cyrl-RS" dirty="0" smtClean="0"/>
+              <a:t>Фази логика је облик вишевредносне логике. Фази скупови дефинишу припадност скупу реалним бројем из интервала </a:t>
+            </a:r>
+            <a:r>
+              <a:rPr lang="en-GB" dirty="0" smtClean="0"/>
+              <a:t>[0,1]. </a:t>
+            </a:r>
+            <a:r>
+              <a:rPr lang="sr-Cyrl-RS" dirty="0" smtClean="0"/>
+              <a:t>Они су описани фази функцијом припадности. Правила закључивања у фази логици се називају фази правила, можемо их дефинисати у складу са потребама примене. </a:t>
+            </a:r>
             <a:endParaRPr lang="sr-Cyrl-RS" dirty="0" smtClean="0"/>
-          </a:p>
-          <a:p>
-            <a:endParaRPr lang="x-none" dirty="0"/>
           </a:p>
         </p:txBody>
       </p:sp>
@@ -4324,8 +4562,8 @@
           <a:lstStyle/>
           <a:p>
             <a:r>
-              <a:rPr lang="sr-Cyrl-RS" dirty="0"/>
-              <a:t>поднаслов</a:t>
+              <a:rPr lang="sr-Cyrl-RS" dirty="0" smtClean="0"/>
+              <a:t>Мамданијев фази контролер</a:t>
             </a:r>
             <a:endParaRPr lang="x-none" dirty="0"/>
           </a:p>
@@ -4333,13 +4571,7 @@
       </p:sp>
       <p:sp>
         <p:nvSpPr>
-          <p:cNvPr id="3" name="Content Placeholder 2">
-            <a:extLst>
-              <a:ext uri="{FF2B5EF4-FFF2-40B4-BE49-F238E27FC236}">
-                <a16:creationId xmlns:a16="http://schemas.microsoft.com/office/drawing/2014/main" id="{5AFCD9C6-9970-A248-B6B7-7914EAA1E53A}"/>
-              </a:ext>
-            </a:extLst>
-          </p:cNvPr>
+          <p:cNvPr id="5" name="Content Placeholder 4"/>
           <p:cNvSpPr>
             <a:spLocks noGrp="1"/>
           </p:cNvSpPr>
@@ -4347,45 +4579,21 @@
             <p:ph sz="half" idx="1"/>
           </p:nvPr>
         </p:nvSpPr>
-        <p:spPr/>
-        <p:txBody>
-          <a:bodyPr/>
-          <a:lstStyle/>
-          <a:p>
-            <a:r>
-              <a:rPr lang="sr-Cyrl-RS" dirty="0"/>
-              <a:t>текст</a:t>
-            </a:r>
-            <a:endParaRPr lang="x-none" dirty="0"/>
-          </a:p>
-        </p:txBody>
-      </p:sp>
-      <p:sp>
-        <p:nvSpPr>
-          <p:cNvPr id="4" name="Content Placeholder 3">
-            <a:extLst>
-              <a:ext uri="{FF2B5EF4-FFF2-40B4-BE49-F238E27FC236}">
-                <a16:creationId xmlns:a16="http://schemas.microsoft.com/office/drawing/2014/main" id="{9B019FEC-C859-DE41-BB4C-0609A570BBDD}"/>
-              </a:ext>
-            </a:extLst>
-          </p:cNvPr>
-          <p:cNvSpPr>
-            <a:spLocks noGrp="1"/>
-          </p:cNvSpPr>
-          <p:nvPr>
-            <p:ph sz="half" idx="2"/>
-          </p:nvPr>
-        </p:nvSpPr>
-        <p:spPr/>
-        <p:txBody>
-          <a:bodyPr/>
-          <a:lstStyle/>
-          <a:p>
-            <a:r>
-              <a:rPr lang="sr-Cyrl-RS" dirty="0"/>
-              <a:t>слика</a:t>
-            </a:r>
-            <a:endParaRPr lang="x-none" dirty="0"/>
+        <p:spPr>
+          <a:xfrm>
+            <a:off x="838200" y="1825625"/>
+            <a:ext cx="10515600" cy="4351338"/>
+          </a:xfrm>
+        </p:spPr>
+        <p:txBody>
+          <a:bodyPr/>
+          <a:lstStyle/>
+          <a:p>
+            <a:r>
+              <a:rPr lang="sr-Cyrl-RS" dirty="0" smtClean="0"/>
+              <a:t>Додати слику мамданијевог фази контролера</a:t>
+            </a:r>
+            <a:endParaRPr lang="en-GB" dirty="0"/>
           </a:p>
         </p:txBody>
       </p:sp>
@@ -4393,6 +4601,420 @@
     <p:extLst>
       <p:ext uri="{BB962C8B-B14F-4D97-AF65-F5344CB8AC3E}">
         <p14:creationId xmlns:p14="http://schemas.microsoft.com/office/powerpoint/2010/main" val="2704189030"/>
+      </p:ext>
+    </p:extLst>
+  </p:cSld>
+  <p:clrMapOvr>
+    <a:masterClrMapping/>
+  </p:clrMapOvr>
+</p:sld>
+</file>
+
+<file path=ppt/slides/slide6.xml><?xml version="1.0" encoding="utf-8"?>
+<p:sld xmlns:a="http://schemas.openxmlformats.org/drawingml/2006/main" xmlns:r="http://schemas.openxmlformats.org/officeDocument/2006/relationships" xmlns:p="http://schemas.openxmlformats.org/presentationml/2006/main">
+  <p:cSld>
+    <p:spTree>
+      <p:nvGrpSpPr>
+        <p:cNvPr id="1" name=""/>
+        <p:cNvGrpSpPr/>
+        <p:nvPr/>
+      </p:nvGrpSpPr>
+      <p:grpSpPr>
+        <a:xfrm>
+          <a:off x="0" y="0"/>
+          <a:ext cx="0" cy="0"/>
+          <a:chOff x="0" y="0"/>
+          <a:chExt cx="0" cy="0"/>
+        </a:xfrm>
+      </p:grpSpPr>
+      <p:sp>
+        <p:nvSpPr>
+          <p:cNvPr id="2" name="Title 1">
+            <a:extLst>
+              <a:ext uri="{FF2B5EF4-FFF2-40B4-BE49-F238E27FC236}">
+                <a16:creationId xmlns:a16="http://schemas.microsoft.com/office/drawing/2014/main" id="{181C48EB-09C9-CA41-9B40-A6294E5F1C47}"/>
+              </a:ext>
+            </a:extLst>
+          </p:cNvPr>
+          <p:cNvSpPr>
+            <a:spLocks noGrp="1"/>
+          </p:cNvSpPr>
+          <p:nvPr>
+            <p:ph type="title"/>
+          </p:nvPr>
+        </p:nvSpPr>
+        <p:spPr/>
+        <p:txBody>
+          <a:bodyPr>
+            <a:normAutofit fontScale="90000"/>
+          </a:bodyPr>
+          <a:lstStyle/>
+          <a:p>
+            <a:r>
+              <a:rPr lang="sr-Cyrl-RS" dirty="0" smtClean="0"/>
+              <a:t>Аутомазизација пластеника помоћу фази логике</a:t>
+            </a:r>
+            <a:endParaRPr lang="x-none" dirty="0"/>
+          </a:p>
+        </p:txBody>
+      </p:sp>
+      <p:sp>
+        <p:nvSpPr>
+          <p:cNvPr id="5" name="Content Placeholder 4"/>
+          <p:cNvSpPr>
+            <a:spLocks noGrp="1"/>
+          </p:cNvSpPr>
+          <p:nvPr>
+            <p:ph sz="half" idx="1"/>
+          </p:nvPr>
+        </p:nvSpPr>
+        <p:spPr>
+          <a:xfrm>
+            <a:off x="838200" y="1825625"/>
+            <a:ext cx="10515600" cy="4351338"/>
+          </a:xfrm>
+        </p:spPr>
+        <p:txBody>
+          <a:bodyPr>
+            <a:normAutofit lnSpcReduction="10000"/>
+          </a:bodyPr>
+          <a:lstStyle/>
+          <a:p>
+            <a:r>
+              <a:rPr lang="sr-Cyrl-RS" dirty="0" smtClean="0"/>
+              <a:t>Систем који је развијен за потребе овог мастер рада је дизајниран као универзалан систем за управљање пластеницима. Могу се аутоматизовати разни параметри: температура, влажност ваздуха и земље, наводњавање, количина додатног осветљења итд. </a:t>
+            </a:r>
+          </a:p>
+          <a:p>
+            <a:r>
+              <a:rPr lang="sr-Cyrl-RS" dirty="0" smtClean="0"/>
+              <a:t>Развијене су две апликације:</a:t>
+            </a:r>
+          </a:p>
+          <a:p>
+            <a:pPr lvl="1"/>
+            <a:r>
+              <a:rPr lang="en-GB" dirty="0" err="1" smtClean="0"/>
+              <a:t>AdminBoard</a:t>
+            </a:r>
+            <a:r>
+              <a:rPr lang="en-GB" dirty="0" smtClean="0"/>
+              <a:t> </a:t>
+            </a:r>
+            <a:r>
+              <a:rPr lang="sr-Cyrl-RS" dirty="0" smtClean="0"/>
+              <a:t>– веб апликација преко које се дефинише фази систем, која се извршава на кућном рачунару, серверу или „облаку“.</a:t>
+            </a:r>
+            <a:endParaRPr lang="en-GB" dirty="0" smtClean="0"/>
+          </a:p>
+          <a:p>
+            <a:pPr lvl="1"/>
+            <a:r>
+              <a:rPr lang="en-GB" dirty="0" err="1" smtClean="0"/>
+              <a:t>FuzzyGreenhouse</a:t>
+            </a:r>
+            <a:r>
+              <a:rPr lang="sr-Cyrl-RS" dirty="0" smtClean="0"/>
+              <a:t> – конзолна апликација која се извршава на уградном уређају, управља улазним сензорима и излазним уређајима.</a:t>
+            </a:r>
+            <a:endParaRPr lang="en-GB" dirty="0" smtClean="0"/>
+          </a:p>
+          <a:p>
+            <a:r>
+              <a:rPr lang="en-GB" dirty="0" err="1" smtClean="0"/>
+              <a:t>FuzzyLib</a:t>
+            </a:r>
+            <a:r>
+              <a:rPr lang="sr-Cyrl-RS" dirty="0" smtClean="0"/>
+              <a:t> је библиотека моделује фази систем и ради по принципу Мамданијевог контролера. </a:t>
+            </a:r>
+            <a:endParaRPr lang="en-GB" dirty="0"/>
+          </a:p>
+        </p:txBody>
+      </p:sp>
+    </p:spTree>
+    <p:extLst>
+      <p:ext uri="{BB962C8B-B14F-4D97-AF65-F5344CB8AC3E}">
+        <p14:creationId xmlns:p14="http://schemas.microsoft.com/office/powerpoint/2010/main" val="542959119"/>
+      </p:ext>
+    </p:extLst>
+  </p:cSld>
+  <p:clrMapOvr>
+    <a:masterClrMapping/>
+  </p:clrMapOvr>
+</p:sld>
+</file>
+
+<file path=ppt/slides/slide7.xml><?xml version="1.0" encoding="utf-8"?>
+<p:sld xmlns:a="http://schemas.openxmlformats.org/drawingml/2006/main" xmlns:r="http://schemas.openxmlformats.org/officeDocument/2006/relationships" xmlns:p="http://schemas.openxmlformats.org/presentationml/2006/main">
+  <p:cSld>
+    <p:spTree>
+      <p:nvGrpSpPr>
+        <p:cNvPr id="1" name=""/>
+        <p:cNvGrpSpPr/>
+        <p:nvPr/>
+      </p:nvGrpSpPr>
+      <p:grpSpPr>
+        <a:xfrm>
+          <a:off x="0" y="0"/>
+          <a:ext cx="0" cy="0"/>
+          <a:chOff x="0" y="0"/>
+          <a:chExt cx="0" cy="0"/>
+        </a:xfrm>
+      </p:grpSpPr>
+      <p:sp>
+        <p:nvSpPr>
+          <p:cNvPr id="2" name="Title 1">
+            <a:extLst>
+              <a:ext uri="{FF2B5EF4-FFF2-40B4-BE49-F238E27FC236}">
+                <a16:creationId xmlns:a16="http://schemas.microsoft.com/office/drawing/2014/main" id="{181C48EB-09C9-CA41-9B40-A6294E5F1C47}"/>
+              </a:ext>
+            </a:extLst>
+          </p:cNvPr>
+          <p:cNvSpPr>
+            <a:spLocks noGrp="1"/>
+          </p:cNvSpPr>
+          <p:nvPr>
+            <p:ph type="title"/>
+          </p:nvPr>
+        </p:nvSpPr>
+        <p:spPr/>
+        <p:txBody>
+          <a:bodyPr>
+            <a:normAutofit fontScale="90000"/>
+          </a:bodyPr>
+          <a:lstStyle/>
+          <a:p>
+            <a:r>
+              <a:rPr lang="sr-Cyrl-RS" dirty="0" smtClean="0"/>
+              <a:t>Преглед архитектуре система</a:t>
+            </a:r>
+            <a:endParaRPr lang="x-none" dirty="0"/>
+          </a:p>
+        </p:txBody>
+      </p:sp>
+      <p:sp>
+        <p:nvSpPr>
+          <p:cNvPr id="5" name="Content Placeholder 4"/>
+          <p:cNvSpPr>
+            <a:spLocks noGrp="1"/>
+          </p:cNvSpPr>
+          <p:nvPr>
+            <p:ph sz="half" idx="1"/>
+          </p:nvPr>
+        </p:nvSpPr>
+        <p:spPr>
+          <a:xfrm>
+            <a:off x="838200" y="1825625"/>
+            <a:ext cx="10515600" cy="4351338"/>
+          </a:xfrm>
+        </p:spPr>
+        <p:txBody>
+          <a:bodyPr/>
+          <a:lstStyle/>
+          <a:p>
+            <a:r>
+              <a:rPr lang="sr-Cyrl-RS" dirty="0" smtClean="0"/>
+              <a:t>Додати слику архитектуре</a:t>
+            </a:r>
+            <a:endParaRPr lang="en-GB" dirty="0"/>
+          </a:p>
+        </p:txBody>
+      </p:sp>
+    </p:spTree>
+    <p:extLst>
+      <p:ext uri="{BB962C8B-B14F-4D97-AF65-F5344CB8AC3E}">
+        <p14:creationId xmlns:p14="http://schemas.microsoft.com/office/powerpoint/2010/main" val="736442082"/>
+      </p:ext>
+    </p:extLst>
+  </p:cSld>
+  <p:clrMapOvr>
+    <a:masterClrMapping/>
+  </p:clrMapOvr>
+</p:sld>
+</file>
+
+<file path=ppt/slides/slide8.xml><?xml version="1.0" encoding="utf-8"?>
+<p:sld xmlns:a="http://schemas.openxmlformats.org/drawingml/2006/main" xmlns:r="http://schemas.openxmlformats.org/officeDocument/2006/relationships" xmlns:p="http://schemas.openxmlformats.org/presentationml/2006/main">
+  <p:cSld>
+    <p:spTree>
+      <p:nvGrpSpPr>
+        <p:cNvPr id="1" name=""/>
+        <p:cNvGrpSpPr/>
+        <p:nvPr/>
+      </p:nvGrpSpPr>
+      <p:grpSpPr>
+        <a:xfrm>
+          <a:off x="0" y="0"/>
+          <a:ext cx="0" cy="0"/>
+          <a:chOff x="0" y="0"/>
+          <a:chExt cx="0" cy="0"/>
+        </a:xfrm>
+      </p:grpSpPr>
+      <p:sp>
+        <p:nvSpPr>
+          <p:cNvPr id="2" name="Title 1">
+            <a:extLst>
+              <a:ext uri="{FF2B5EF4-FFF2-40B4-BE49-F238E27FC236}">
+                <a16:creationId xmlns:a16="http://schemas.microsoft.com/office/drawing/2014/main" id="{181C48EB-09C9-CA41-9B40-A6294E5F1C47}"/>
+              </a:ext>
+            </a:extLst>
+          </p:cNvPr>
+          <p:cNvSpPr>
+            <a:spLocks noGrp="1"/>
+          </p:cNvSpPr>
+          <p:nvPr>
+            <p:ph type="title"/>
+          </p:nvPr>
+        </p:nvSpPr>
+        <p:spPr/>
+        <p:txBody>
+          <a:bodyPr>
+            <a:normAutofit fontScale="90000"/>
+          </a:bodyPr>
+          <a:lstStyle/>
+          <a:p>
+            <a:r>
+              <a:rPr lang="sr-Cyrl-RS" dirty="0" smtClean="0"/>
+              <a:t>Хардверски слој и још ако треба нека слика</a:t>
+            </a:r>
+            <a:endParaRPr lang="x-none" dirty="0"/>
+          </a:p>
+        </p:txBody>
+      </p:sp>
+      <p:sp>
+        <p:nvSpPr>
+          <p:cNvPr id="5" name="Content Placeholder 4"/>
+          <p:cNvSpPr>
+            <a:spLocks noGrp="1"/>
+          </p:cNvSpPr>
+          <p:nvPr>
+            <p:ph sz="half" idx="1"/>
+          </p:nvPr>
+        </p:nvSpPr>
+        <p:spPr>
+          <a:xfrm>
+            <a:off x="838200" y="1825625"/>
+            <a:ext cx="10515600" cy="4351338"/>
+          </a:xfrm>
+        </p:spPr>
+        <p:txBody>
+          <a:bodyPr/>
+          <a:lstStyle/>
+          <a:p>
+            <a:r>
+              <a:rPr lang="sr-Cyrl-RS" dirty="0" smtClean="0"/>
+              <a:t>Додати слике</a:t>
+            </a:r>
+            <a:endParaRPr lang="en-GB" dirty="0"/>
+          </a:p>
+        </p:txBody>
+      </p:sp>
+    </p:spTree>
+    <p:extLst>
+      <p:ext uri="{BB962C8B-B14F-4D97-AF65-F5344CB8AC3E}">
+        <p14:creationId xmlns:p14="http://schemas.microsoft.com/office/powerpoint/2010/main" val="566127760"/>
+      </p:ext>
+    </p:extLst>
+  </p:cSld>
+  <p:clrMapOvr>
+    <a:masterClrMapping/>
+  </p:clrMapOvr>
+</p:sld>
+</file>
+
+<file path=ppt/slides/slide9.xml><?xml version="1.0" encoding="utf-8"?>
+<p:sld xmlns:a="http://schemas.openxmlformats.org/drawingml/2006/main" xmlns:r="http://schemas.openxmlformats.org/officeDocument/2006/relationships" xmlns:p="http://schemas.openxmlformats.org/presentationml/2006/main">
+  <p:cSld>
+    <p:spTree>
+      <p:nvGrpSpPr>
+        <p:cNvPr id="1" name=""/>
+        <p:cNvGrpSpPr/>
+        <p:nvPr/>
+      </p:nvGrpSpPr>
+      <p:grpSpPr>
+        <a:xfrm>
+          <a:off x="0" y="0"/>
+          <a:ext cx="0" cy="0"/>
+          <a:chOff x="0" y="0"/>
+          <a:chExt cx="0" cy="0"/>
+        </a:xfrm>
+      </p:grpSpPr>
+      <p:sp>
+        <p:nvSpPr>
+          <p:cNvPr id="2" name="Title 1">
+            <a:extLst>
+              <a:ext uri="{FF2B5EF4-FFF2-40B4-BE49-F238E27FC236}">
+                <a16:creationId xmlns:a16="http://schemas.microsoft.com/office/drawing/2014/main" id="{181C48EB-09C9-CA41-9B40-A6294E5F1C47}"/>
+              </a:ext>
+            </a:extLst>
+          </p:cNvPr>
+          <p:cNvSpPr>
+            <a:spLocks noGrp="1"/>
+          </p:cNvSpPr>
+          <p:nvPr>
+            <p:ph type="title"/>
+          </p:nvPr>
+        </p:nvSpPr>
+        <p:spPr>
+          <a:xfrm>
+            <a:off x="391886" y="1008019"/>
+            <a:ext cx="10961914" cy="1153289"/>
+          </a:xfrm>
+        </p:spPr>
+        <p:txBody>
+          <a:bodyPr>
+            <a:normAutofit fontScale="90000"/>
+          </a:bodyPr>
+          <a:lstStyle/>
+          <a:p>
+            <a:r>
+              <a:rPr lang="sr-Cyrl-RS" dirty="0" smtClean="0"/>
+              <a:t>Анализа резултата и упоређивање са постојећим радовима</a:t>
+            </a:r>
+            <a:endParaRPr lang="x-none" dirty="0"/>
+          </a:p>
+        </p:txBody>
+      </p:sp>
+      <p:sp>
+        <p:nvSpPr>
+          <p:cNvPr id="5" name="Content Placeholder 4"/>
+          <p:cNvSpPr>
+            <a:spLocks noGrp="1"/>
+          </p:cNvSpPr>
+          <p:nvPr>
+            <p:ph sz="half" idx="1"/>
+          </p:nvPr>
+        </p:nvSpPr>
+        <p:spPr>
+          <a:xfrm>
+            <a:off x="838200" y="2161307"/>
+            <a:ext cx="10515600" cy="4015655"/>
+          </a:xfrm>
+        </p:spPr>
+        <p:txBody>
+          <a:bodyPr>
+            <a:normAutofit lnSpcReduction="10000"/>
+          </a:bodyPr>
+          <a:lstStyle/>
+          <a:p>
+            <a:r>
+              <a:rPr lang="sr-Cyrl-RS" dirty="0" smtClean="0"/>
+              <a:t>Приликом анализе постојећих радова и софтверских производа чије су теме аутоматизације пластеника, наилази се на решења која су врло често специјализована за аутоматизацију само одређених параметара, и за то су дефинисане нове методе. У тим радовима су саме нове пољопривредне методе најчешће у фокусу. </a:t>
+            </a:r>
+          </a:p>
+          <a:p>
+            <a:r>
+              <a:rPr lang="sr-Cyrl-RS" dirty="0" smtClean="0"/>
+              <a:t>Такође постоје радови који су аутоматизовали пластенике помоћу технологија које захтевају стручна лица (софтверске инжењере или инжењере електронике). Такође те технологије не пружају флексибилност, као и рачунарске моћи су доста слабије у односу на предложено решење</a:t>
+            </a:r>
+          </a:p>
+        </p:txBody>
+      </p:sp>
+    </p:spTree>
+    <p:extLst>
+      <p:ext uri="{BB962C8B-B14F-4D97-AF65-F5344CB8AC3E}">
+        <p14:creationId xmlns:p14="http://schemas.microsoft.com/office/powerpoint/2010/main" val="3092045836"/>
       </p:ext>
     </p:extLst>
   </p:cSld>

--- a/Presentation/Presentation.pptx
+++ b/Presentation/Presentation.pptx
@@ -16,6 +16,7 @@
     <p:sldId id="264" r:id="rId10"/>
     <p:sldId id="265" r:id="rId11"/>
     <p:sldId id="266" r:id="rId12"/>
+    <p:sldId id="267" r:id="rId13"/>
   </p:sldIdLst>
   <p:sldSz cx="12192000" cy="6858000"/>
   <p:notesSz cx="6858000" cy="9144000"/>
@@ -312,7 +313,7 @@
             <a:fld id="{A3D8ACCB-D86A-8340-83DF-E9D64A929EB3}" type="datetimeFigureOut">
               <a:rPr lang="x-none" smtClean="0"/>
               <a:pPr/>
-              <a:t>15/09/2023</a:t>
+              <a:t>24/09/2023</a:t>
             </a:fld>
             <a:endParaRPr lang="x-none"/>
           </a:p>
@@ -577,7 +578,7 @@
             <a:fld id="{A3D8ACCB-D86A-8340-83DF-E9D64A929EB3}" type="datetimeFigureOut">
               <a:rPr lang="x-none" smtClean="0"/>
               <a:pPr/>
-              <a:t>15/09/2023</a:t>
+              <a:t>24/09/2023</a:t>
             </a:fld>
             <a:endParaRPr lang="x-none"/>
           </a:p>
@@ -818,7 +819,7 @@
             <a:fld id="{A3D8ACCB-D86A-8340-83DF-E9D64A929EB3}" type="datetimeFigureOut">
               <a:rPr lang="x-none" smtClean="0"/>
               <a:pPr/>
-              <a:t>15/09/2023</a:t>
+              <a:t>24/09/2023</a:t>
             </a:fld>
             <a:endParaRPr lang="x-none"/>
           </a:p>
@@ -1059,7 +1060,7 @@
             <a:fld id="{A3D8ACCB-D86A-8340-83DF-E9D64A929EB3}" type="datetimeFigureOut">
               <a:rPr lang="x-none" smtClean="0"/>
               <a:pPr/>
-              <a:t>15/09/2023</a:t>
+              <a:t>24/09/2023</a:t>
             </a:fld>
             <a:endParaRPr lang="x-none"/>
           </a:p>
@@ -1366,7 +1367,7 @@
             <a:fld id="{A3D8ACCB-D86A-8340-83DF-E9D64A929EB3}" type="datetimeFigureOut">
               <a:rPr lang="x-none" smtClean="0"/>
               <a:pPr/>
-              <a:t>15/09/2023</a:t>
+              <a:t>24/09/2023</a:t>
             </a:fld>
             <a:endParaRPr lang="x-none"/>
           </a:p>
@@ -1670,7 +1671,7 @@
             <a:fld id="{A3D8ACCB-D86A-8340-83DF-E9D64A929EB3}" type="datetimeFigureOut">
               <a:rPr lang="x-none" smtClean="0"/>
               <a:pPr/>
-              <a:t>15/09/2023</a:t>
+              <a:t>24/09/2023</a:t>
             </a:fld>
             <a:endParaRPr lang="x-none"/>
           </a:p>
@@ -2116,7 +2117,7 @@
             <a:fld id="{A3D8ACCB-D86A-8340-83DF-E9D64A929EB3}" type="datetimeFigureOut">
               <a:rPr lang="x-none" smtClean="0"/>
               <a:pPr/>
-              <a:t>15/09/2023</a:t>
+              <a:t>24/09/2023</a:t>
             </a:fld>
             <a:endParaRPr lang="x-none"/>
           </a:p>
@@ -2294,7 +2295,7 @@
             <a:fld id="{A3D8ACCB-D86A-8340-83DF-E9D64A929EB3}" type="datetimeFigureOut">
               <a:rPr lang="x-none" smtClean="0"/>
               <a:pPr/>
-              <a:t>15/09/2023</a:t>
+              <a:t>24/09/2023</a:t>
             </a:fld>
             <a:endParaRPr lang="x-none"/>
           </a:p>
@@ -2438,7 +2439,7 @@
             <a:fld id="{A3D8ACCB-D86A-8340-83DF-E9D64A929EB3}" type="datetimeFigureOut">
               <a:rPr lang="x-none" smtClean="0"/>
               <a:pPr/>
-              <a:t>15/09/2023</a:t>
+              <a:t>24/09/2023</a:t>
             </a:fld>
             <a:endParaRPr lang="x-none"/>
           </a:p>
@@ -2782,7 +2783,7 @@
             <a:fld id="{A3D8ACCB-D86A-8340-83DF-E9D64A929EB3}" type="datetimeFigureOut">
               <a:rPr lang="x-none" smtClean="0"/>
               <a:pPr/>
-              <a:t>15/09/2023</a:t>
+              <a:t>24/09/2023</a:t>
             </a:fld>
             <a:endParaRPr lang="x-none"/>
           </a:p>
@@ -3102,7 +3103,7 @@
             <a:fld id="{A3D8ACCB-D86A-8340-83DF-E9D64A929EB3}" type="datetimeFigureOut">
               <a:rPr lang="x-none" smtClean="0"/>
               <a:pPr/>
-              <a:t>15/09/2023</a:t>
+              <a:t>24/09/2023</a:t>
             </a:fld>
             <a:endParaRPr lang="x-none"/>
           </a:p>
@@ -3374,7 +3375,7 @@
             <a:fld id="{A3D8ACCB-D86A-8340-83DF-E9D64A929EB3}" type="datetimeFigureOut">
               <a:rPr lang="x-none" smtClean="0"/>
               <a:pPr/>
-              <a:t>15/09/2023</a:t>
+              <a:t>24/09/2023</a:t>
             </a:fld>
             <a:endParaRPr lang="x-none" dirty="0"/>
           </a:p>
@@ -3940,7 +3941,19 @@
           <a:p>
             <a:r>
               <a:rPr lang="sr-Cyrl-RS" dirty="0" smtClean="0"/>
-              <a:t>Септембар 2023.</a:t>
+              <a:t>26. </a:t>
+            </a:r>
+            <a:r>
+              <a:rPr lang="sr-Cyrl-RS" dirty="0"/>
+              <a:t>с</a:t>
+            </a:r>
+            <a:r>
+              <a:rPr lang="sr-Cyrl-RS" dirty="0" smtClean="0"/>
+              <a:t>ептембар </a:t>
+            </a:r>
+            <a:r>
+              <a:rPr lang="sr-Cyrl-RS" dirty="0" smtClean="0"/>
+              <a:t>2023.</a:t>
             </a:r>
             <a:endParaRPr lang="x-none" dirty="0"/>
           </a:p>
@@ -4177,6 +4190,72 @@
 </p:sld>
 </file>
 
+<file path=ppt/slides/slide12.xml><?xml version="1.0" encoding="utf-8"?>
+<p:sld xmlns:a="http://schemas.openxmlformats.org/drawingml/2006/main" xmlns:r="http://schemas.openxmlformats.org/officeDocument/2006/relationships" xmlns:p="http://schemas.openxmlformats.org/presentationml/2006/main">
+  <p:cSld>
+    <p:spTree>
+      <p:nvGrpSpPr>
+        <p:cNvPr id="1" name=""/>
+        <p:cNvGrpSpPr/>
+        <p:nvPr/>
+      </p:nvGrpSpPr>
+      <p:grpSpPr>
+        <a:xfrm>
+          <a:off x="0" y="0"/>
+          <a:ext cx="0" cy="0"/>
+          <a:chOff x="0" y="0"/>
+          <a:chExt cx="0" cy="0"/>
+        </a:xfrm>
+      </p:grpSpPr>
+      <p:sp>
+        <p:nvSpPr>
+          <p:cNvPr id="2" name="Title 1">
+            <a:extLst>
+              <a:ext uri="{FF2B5EF4-FFF2-40B4-BE49-F238E27FC236}">
+                <a16:creationId xmlns:a16="http://schemas.microsoft.com/office/drawing/2014/main" id="{181C48EB-09C9-CA41-9B40-A6294E5F1C47}"/>
+              </a:ext>
+            </a:extLst>
+          </p:cNvPr>
+          <p:cNvSpPr>
+            <a:spLocks noGrp="1"/>
+          </p:cNvSpPr>
+          <p:nvPr>
+            <p:ph type="title"/>
+          </p:nvPr>
+        </p:nvSpPr>
+        <p:spPr>
+          <a:xfrm>
+            <a:off x="3766458" y="2926081"/>
+            <a:ext cx="4271554" cy="756457"/>
+          </a:xfrm>
+        </p:spPr>
+        <p:txBody>
+          <a:bodyPr>
+            <a:normAutofit/>
+          </a:bodyPr>
+          <a:lstStyle/>
+          <a:p>
+            <a:r>
+              <a:rPr lang="sr-Cyrl-RS" dirty="0" smtClean="0"/>
+              <a:t>Хвала на пажњи! </a:t>
+            </a:r>
+            <a:endParaRPr lang="x-none" dirty="0"/>
+          </a:p>
+        </p:txBody>
+      </p:sp>
+    </p:spTree>
+    <p:extLst>
+      <p:ext uri="{BB962C8B-B14F-4D97-AF65-F5344CB8AC3E}">
+        <p14:creationId xmlns:p14="http://schemas.microsoft.com/office/powerpoint/2010/main" val="1291015497"/>
+      </p:ext>
+    </p:extLst>
+  </p:cSld>
+  <p:clrMapOvr>
+    <a:masterClrMapping/>
+  </p:clrMapOvr>
+</p:sld>
+</file>
+
 <file path=ppt/slides/slide2.xml><?xml version="1.0" encoding="utf-8"?>
 <p:sld xmlns:a="http://schemas.openxmlformats.org/drawingml/2006/main" xmlns:r="http://schemas.openxmlformats.org/officeDocument/2006/relationships" xmlns:p="http://schemas.openxmlformats.org/presentationml/2006/main">
   <p:cSld>
@@ -4504,7 +4583,6 @@
               <a:rPr lang="sr-Cyrl-RS" dirty="0" smtClean="0"/>
               <a:t>Они су описани фази функцијом припадности. Правила закључивања у фази логици се називају фази правила, можемо их дефинисати у складу са потребама примене. </a:t>
             </a:r>
-            <a:endParaRPr lang="sr-Cyrl-RS" dirty="0" smtClean="0"/>
           </a:p>
         </p:txBody>
       </p:sp>
@@ -4569,34 +4647,36 @@
           </a:p>
         </p:txBody>
       </p:sp>
-      <p:sp>
-        <p:nvSpPr>
-          <p:cNvPr id="5" name="Content Placeholder 4"/>
-          <p:cNvSpPr>
-            <a:spLocks noGrp="1"/>
-          </p:cNvSpPr>
-          <p:nvPr>
-            <p:ph sz="half" idx="1"/>
-          </p:nvPr>
-        </p:nvSpPr>
-        <p:spPr>
-          <a:xfrm>
-            <a:off x="838200" y="1825625"/>
-            <a:ext cx="10515600" cy="4351338"/>
-          </a:xfrm>
-        </p:spPr>
-        <p:txBody>
-          <a:bodyPr/>
-          <a:lstStyle/>
-          <a:p>
-            <a:r>
-              <a:rPr lang="sr-Cyrl-RS" dirty="0" smtClean="0"/>
-              <a:t>Додати слику мамданијевог фази контролера</a:t>
-            </a:r>
-            <a:endParaRPr lang="en-GB" dirty="0"/>
-          </a:p>
-        </p:txBody>
-      </p:sp>
+      <p:pic>
+        <p:nvPicPr>
+          <p:cNvPr id="4" name="Picture 3"/>
+          <p:cNvPicPr>
+            <a:picLocks noChangeAspect="1"/>
+          </p:cNvPicPr>
+          <p:nvPr/>
+        </p:nvPicPr>
+        <p:blipFill>
+          <a:blip r:embed="rId2">
+            <a:extLst>
+              <a:ext uri="{28A0092B-C50C-407E-A947-70E740481C1C}">
+                <a14:useLocalDpi xmlns:a14="http://schemas.microsoft.com/office/drawing/2010/main" val="0"/>
+              </a:ext>
+            </a:extLst>
+          </a:blip>
+          <a:stretch>
+            <a:fillRect/>
+          </a:stretch>
+        </p:blipFill>
+        <p:spPr>
+          <a:xfrm>
+            <a:off x="1832761" y="2207623"/>
+            <a:ext cx="8289171" cy="2567124"/>
+          </a:xfrm>
+          <a:prstGeom prst="rect">
+            <a:avLst/>
+          </a:prstGeom>
+        </p:spPr>
+      </p:pic>
     </p:spTree>
     <p:extLst>
       <p:ext uri="{BB962C8B-B14F-4D97-AF65-F5344CB8AC3E}">
@@ -4793,34 +4873,36 @@
           </a:p>
         </p:txBody>
       </p:sp>
-      <p:sp>
-        <p:nvSpPr>
-          <p:cNvPr id="5" name="Content Placeholder 4"/>
-          <p:cNvSpPr>
-            <a:spLocks noGrp="1"/>
-          </p:cNvSpPr>
-          <p:nvPr>
-            <p:ph sz="half" idx="1"/>
-          </p:nvPr>
-        </p:nvSpPr>
-        <p:spPr>
-          <a:xfrm>
-            <a:off x="838200" y="1825625"/>
-            <a:ext cx="10515600" cy="4351338"/>
-          </a:xfrm>
-        </p:spPr>
-        <p:txBody>
-          <a:bodyPr/>
-          <a:lstStyle/>
-          <a:p>
-            <a:r>
-              <a:rPr lang="sr-Cyrl-RS" dirty="0" smtClean="0"/>
-              <a:t>Додати слику архитектуре</a:t>
-            </a:r>
-            <a:endParaRPr lang="en-GB" dirty="0"/>
-          </a:p>
-        </p:txBody>
-      </p:sp>
+      <p:pic>
+        <p:nvPicPr>
+          <p:cNvPr id="4" name="Picture 3"/>
+          <p:cNvPicPr>
+            <a:picLocks noChangeAspect="1"/>
+          </p:cNvPicPr>
+          <p:nvPr/>
+        </p:nvPicPr>
+        <p:blipFill>
+          <a:blip r:embed="rId2">
+            <a:extLst>
+              <a:ext uri="{28A0092B-C50C-407E-A947-70E740481C1C}">
+                <a14:useLocalDpi xmlns:a14="http://schemas.microsoft.com/office/drawing/2010/main" val="0"/>
+              </a:ext>
+            </a:extLst>
+          </a:blip>
+          <a:stretch>
+            <a:fillRect/>
+          </a:stretch>
+        </p:blipFill>
+        <p:spPr>
+          <a:xfrm>
+            <a:off x="1863634" y="1690688"/>
+            <a:ext cx="8273143" cy="4392792"/>
+          </a:xfrm>
+          <a:prstGeom prst="rect">
+            <a:avLst/>
+          </a:prstGeom>
+        </p:spPr>
+      </p:pic>
     </p:spTree>
     <p:extLst>
       <p:ext uri="{BB962C8B-B14F-4D97-AF65-F5344CB8AC3E}">
@@ -4867,7 +4949,12 @@
             <p:ph type="title"/>
           </p:nvPr>
         </p:nvSpPr>
-        <p:spPr/>
+        <p:spPr>
+          <a:xfrm>
+            <a:off x="391886" y="809897"/>
+            <a:ext cx="10961914" cy="1117895"/>
+          </a:xfrm>
+        </p:spPr>
         <p:txBody>
           <a:bodyPr>
             <a:normAutofit fontScale="90000"/>
@@ -4876,40 +4963,88 @@
           <a:p>
             <a:r>
               <a:rPr lang="sr-Cyrl-RS" dirty="0" smtClean="0"/>
-              <a:t>Хардверски слој и још ако треба нека слика</a:t>
+              <a:t>Хардверски слој и </a:t>
+            </a:r>
+            <a:r>
+              <a:rPr lang="sr-Cyrl-RS" dirty="0" smtClean="0"/>
+              <a:t>алгоритам </a:t>
+            </a:r>
+            <a:r>
+              <a:rPr lang="en-GB" dirty="0" err="1" smtClean="0"/>
+              <a:t>GreenhouseCore</a:t>
+            </a:r>
+            <a:r>
+              <a:rPr lang="en-GB" dirty="0" smtClean="0"/>
+              <a:t> </a:t>
+            </a:r>
+            <a:r>
+              <a:rPr lang="sr-Cyrl-RS" dirty="0" smtClean="0"/>
+              <a:t>апликације</a:t>
             </a:r>
             <a:endParaRPr lang="x-none" dirty="0"/>
           </a:p>
         </p:txBody>
       </p:sp>
-      <p:sp>
-        <p:nvSpPr>
-          <p:cNvPr id="5" name="Content Placeholder 4"/>
-          <p:cNvSpPr>
-            <a:spLocks noGrp="1"/>
-          </p:cNvSpPr>
-          <p:nvPr>
-            <p:ph sz="half" idx="1"/>
-          </p:nvPr>
-        </p:nvSpPr>
-        <p:spPr>
-          <a:xfrm>
-            <a:off x="838200" y="1825625"/>
-            <a:ext cx="10515600" cy="4351338"/>
-          </a:xfrm>
-        </p:spPr>
-        <p:txBody>
-          <a:bodyPr/>
-          <a:lstStyle/>
-          <a:p>
-            <a:r>
-              <a:rPr lang="sr-Cyrl-RS" dirty="0" smtClean="0"/>
-              <a:t>Додати слике</a:t>
-            </a:r>
-            <a:endParaRPr lang="en-GB" dirty="0"/>
-          </a:p>
-        </p:txBody>
-      </p:sp>
+      <p:pic>
+        <p:nvPicPr>
+          <p:cNvPr id="3" name="Picture 2"/>
+          <p:cNvPicPr>
+            <a:picLocks noChangeAspect="1"/>
+          </p:cNvPicPr>
+          <p:nvPr/>
+        </p:nvPicPr>
+        <p:blipFill>
+          <a:blip r:embed="rId2">
+            <a:extLst>
+              <a:ext uri="{28A0092B-C50C-407E-A947-70E740481C1C}">
+                <a14:useLocalDpi xmlns:a14="http://schemas.microsoft.com/office/drawing/2010/main" val="0"/>
+              </a:ext>
+            </a:extLst>
+          </a:blip>
+          <a:stretch>
+            <a:fillRect/>
+          </a:stretch>
+        </p:blipFill>
+        <p:spPr>
+          <a:xfrm>
+            <a:off x="509452" y="1927793"/>
+            <a:ext cx="5570227" cy="3765640"/>
+          </a:xfrm>
+          <a:prstGeom prst="rect">
+            <a:avLst/>
+          </a:prstGeom>
+        </p:spPr>
+      </p:pic>
+      <p:pic>
+        <p:nvPicPr>
+          <p:cNvPr id="4" name="Picture 3"/>
+          <p:cNvPicPr>
+            <a:picLocks noChangeAspect="1"/>
+          </p:cNvPicPr>
+          <p:nvPr/>
+        </p:nvPicPr>
+        <p:blipFill>
+          <a:blip r:embed="rId3">
+            <a:extLst>
+              <a:ext uri="{28A0092B-C50C-407E-A947-70E740481C1C}">
+                <a14:useLocalDpi xmlns:a14="http://schemas.microsoft.com/office/drawing/2010/main" val="0"/>
+              </a:ext>
+            </a:extLst>
+          </a:blip>
+          <a:stretch>
+            <a:fillRect/>
+          </a:stretch>
+        </p:blipFill>
+        <p:spPr>
+          <a:xfrm>
+            <a:off x="6980504" y="1877310"/>
+            <a:ext cx="4073037" cy="3866606"/>
+          </a:xfrm>
+          <a:prstGeom prst="rect">
+            <a:avLst/>
+          </a:prstGeom>
+        </p:spPr>
+      </p:pic>
     </p:spTree>
     <p:extLst>
       <p:ext uri="{BB962C8B-B14F-4D97-AF65-F5344CB8AC3E}">
